--- a/intro-python/part1.pptx
+++ b/intro-python/part1.pptx
@@ -117,6 +117,11 @@
       </a:defRPr>
     </a:lvl9pPr>
   </p:defaultTextStyle>
+  <p:extLst>
+    <p:ext uri="{EFAFB233-063F-42B5-8137-9DF3F51BA10A}">
+      <p15:sldGuideLst xmlns:p15="http://schemas.microsoft.com/office/powerpoint/2012/main"/>
+    </p:ext>
+  </p:extLst>
 </p:presentation>
 </file>
 
@@ -251,7 +256,7 @@
           <a:p>
             <a:fld id="{8B68B45E-60FD-44C6-9E54-E68EFBA42CE9}" type="datetimeFigureOut">
               <a:rPr lang="en-US" smtClean="0"/>
-              <a:t>5/19/2024</a:t>
+              <a:t>5/26/2024</a:t>
             </a:fld>
             <a:endParaRPr lang="en-US"/>
           </a:p>
@@ -421,7 +426,7 @@
           <a:p>
             <a:fld id="{8B68B45E-60FD-44C6-9E54-E68EFBA42CE9}" type="datetimeFigureOut">
               <a:rPr lang="en-US" smtClean="0"/>
-              <a:t>5/19/2024</a:t>
+              <a:t>5/26/2024</a:t>
             </a:fld>
             <a:endParaRPr lang="en-US"/>
           </a:p>
@@ -601,7 +606,7 @@
           <a:p>
             <a:fld id="{8B68B45E-60FD-44C6-9E54-E68EFBA42CE9}" type="datetimeFigureOut">
               <a:rPr lang="en-US" smtClean="0"/>
-              <a:t>5/19/2024</a:t>
+              <a:t>5/26/2024</a:t>
             </a:fld>
             <a:endParaRPr lang="en-US"/>
           </a:p>
@@ -771,7 +776,7 @@
           <a:p>
             <a:fld id="{8B68B45E-60FD-44C6-9E54-E68EFBA42CE9}" type="datetimeFigureOut">
               <a:rPr lang="en-US" smtClean="0"/>
-              <a:t>5/19/2024</a:t>
+              <a:t>5/26/2024</a:t>
             </a:fld>
             <a:endParaRPr lang="en-US"/>
           </a:p>
@@ -1017,7 +1022,7 @@
           <a:p>
             <a:fld id="{8B68B45E-60FD-44C6-9E54-E68EFBA42CE9}" type="datetimeFigureOut">
               <a:rPr lang="en-US" smtClean="0"/>
-              <a:t>5/19/2024</a:t>
+              <a:t>5/26/2024</a:t>
             </a:fld>
             <a:endParaRPr lang="en-US"/>
           </a:p>
@@ -1249,7 +1254,7 @@
           <a:p>
             <a:fld id="{8B68B45E-60FD-44C6-9E54-E68EFBA42CE9}" type="datetimeFigureOut">
               <a:rPr lang="en-US" smtClean="0"/>
-              <a:t>5/19/2024</a:t>
+              <a:t>5/26/2024</a:t>
             </a:fld>
             <a:endParaRPr lang="en-US"/>
           </a:p>
@@ -1616,7 +1621,7 @@
           <a:p>
             <a:fld id="{8B68B45E-60FD-44C6-9E54-E68EFBA42CE9}" type="datetimeFigureOut">
               <a:rPr lang="en-US" smtClean="0"/>
-              <a:t>5/19/2024</a:t>
+              <a:t>5/26/2024</a:t>
             </a:fld>
             <a:endParaRPr lang="en-US"/>
           </a:p>
@@ -1734,7 +1739,7 @@
           <a:p>
             <a:fld id="{8B68B45E-60FD-44C6-9E54-E68EFBA42CE9}" type="datetimeFigureOut">
               <a:rPr lang="en-US" smtClean="0"/>
-              <a:t>5/19/2024</a:t>
+              <a:t>5/26/2024</a:t>
             </a:fld>
             <a:endParaRPr lang="en-US"/>
           </a:p>
@@ -1829,7 +1834,7 @@
           <a:p>
             <a:fld id="{8B68B45E-60FD-44C6-9E54-E68EFBA42CE9}" type="datetimeFigureOut">
               <a:rPr lang="en-US" smtClean="0"/>
-              <a:t>5/19/2024</a:t>
+              <a:t>5/26/2024</a:t>
             </a:fld>
             <a:endParaRPr lang="en-US"/>
           </a:p>
@@ -2106,7 +2111,7 @@
           <a:p>
             <a:fld id="{8B68B45E-60FD-44C6-9E54-E68EFBA42CE9}" type="datetimeFigureOut">
               <a:rPr lang="en-US" smtClean="0"/>
-              <a:t>5/19/2024</a:t>
+              <a:t>5/26/2024</a:t>
             </a:fld>
             <a:endParaRPr lang="en-US"/>
           </a:p>
@@ -2359,7 +2364,7 @@
           <a:p>
             <a:fld id="{8B68B45E-60FD-44C6-9E54-E68EFBA42CE9}" type="datetimeFigureOut">
               <a:rPr lang="en-US" smtClean="0"/>
-              <a:t>5/19/2024</a:t>
+              <a:t>5/26/2024</a:t>
             </a:fld>
             <a:endParaRPr lang="en-US"/>
           </a:p>
@@ -2572,7 +2577,7 @@
           <a:p>
             <a:fld id="{8B68B45E-60FD-44C6-9E54-E68EFBA42CE9}" type="datetimeFigureOut">
               <a:rPr lang="en-US" smtClean="0"/>
-              <a:t>5/19/2024</a:t>
+              <a:t>5/26/2024</a:t>
             </a:fld>
             <a:endParaRPr lang="en-US"/>
           </a:p>
@@ -3052,11 +3057,15 @@
             </a:r>
             <a:r>
               <a:rPr lang="en-US" b="1" dirty="0" err="1" smtClean="0"/>
-              <a:t>collab</a:t>
+              <a:t>colab</a:t>
             </a:r>
             <a:r>
               <a:rPr lang="en-US" b="1" dirty="0" smtClean="0"/>
-              <a:t> document link:</a:t>
+              <a:t> </a:t>
+            </a:r>
+            <a:r>
+              <a:rPr lang="en-US" b="1" dirty="0" smtClean="0"/>
+              <a:t>document link:</a:t>
             </a:r>
           </a:p>
           <a:p>
